--- a/Presentations/DesignPres/Jeff's Material/ExecSummary.pptx
+++ b/Presentations/DesignPres/Jeff's Material/ExecSummary.pptx
@@ -5,12 +5,10 @@
     <p:sldMasterId id="2147483678" r:id="rId4"/>
   </p:sldMasterIdLst>
   <p:notesMasterIdLst>
-    <p:notesMasterId r:id="rId8"/>
+    <p:notesMasterId r:id="rId6"/>
   </p:notesMasterIdLst>
   <p:sldIdLst>
     <p:sldId id="273" r:id="rId5"/>
-    <p:sldId id="269" r:id="rId6"/>
-    <p:sldId id="260" r:id="rId7"/>
   </p:sldIdLst>
   <p:sldSz cx="12192000" cy="6858000"/>
   <p:notesSz cx="6858000" cy="9144000"/>
@@ -6688,11 +6686,11 @@
           <a:p>
             <a:pPr lvl="1"/>
             <a:r>
-              <a:rPr lang="en-US"/>
+              <a:rPr lang="en-US" dirty="0"/>
               <a:t>O</a:t>
             </a:r>
             <a:r>
-              <a:rPr lang="en-US" smtClean="0"/>
+              <a:rPr lang="en-US" dirty="0" smtClean="0"/>
               <a:t>ff-the-shelf </a:t>
             </a:r>
             <a:r>
@@ -6749,283 +6747,6 @@
     <p:extLst>
       <p:ext uri="{BB962C8B-B14F-4D97-AF65-F5344CB8AC3E}">
         <p14:creationId xmlns:p14="http://schemas.microsoft.com/office/powerpoint/2010/main" val="4029967778"/>
-      </p:ext>
-    </p:extLst>
-  </p:cSld>
-  <p:clrMapOvr>
-    <a:masterClrMapping/>
-  </p:clrMapOvr>
-  <p:timing>
-    <p:tnLst>
-      <p:par>
-        <p:cTn id="1" dur="indefinite" restart="never" nodeType="tmRoot"/>
-      </p:par>
-    </p:tnLst>
-  </p:timing>
-</p:sld>
-</file>
-
-<file path=ppt/slides/slide2.xml><?xml version="1.0" encoding="utf-8"?>
-<p:sld xmlns:a="http://schemas.openxmlformats.org/drawingml/2006/main" xmlns:r="http://schemas.openxmlformats.org/officeDocument/2006/relationships" xmlns:p="http://schemas.openxmlformats.org/presentationml/2006/main">
-  <p:cSld>
-    <p:spTree>
-      <p:nvGrpSpPr>
-        <p:cNvPr id="1" name=""/>
-        <p:cNvGrpSpPr/>
-        <p:nvPr/>
-      </p:nvGrpSpPr>
-      <p:grpSpPr>
-        <a:xfrm>
-          <a:off x="0" y="0"/>
-          <a:ext cx="0" cy="0"/>
-          <a:chOff x="0" y="0"/>
-          <a:chExt cx="0" cy="0"/>
-        </a:xfrm>
-      </p:grpSpPr>
-      <p:sp>
-        <p:nvSpPr>
-          <p:cNvPr id="6" name="Title 5"/>
-          <p:cNvSpPr>
-            <a:spLocks noGrp="1"/>
-          </p:cNvSpPr>
-          <p:nvPr>
-            <p:ph type="title"/>
-          </p:nvPr>
-        </p:nvSpPr>
-        <p:spPr/>
-        <p:txBody>
-          <a:bodyPr/>
-          <a:lstStyle/>
-          <a:p>
-            <a:r>
-              <a:rPr lang="en-US" dirty="0" smtClean="0"/>
-              <a:t>Market Gap</a:t>
-            </a:r>
-            <a:endParaRPr lang="en-US" dirty="0"/>
-          </a:p>
-        </p:txBody>
-      </p:sp>
-      <p:sp>
-        <p:nvSpPr>
-          <p:cNvPr id="5" name="Slide Number Placeholder 4"/>
-          <p:cNvSpPr>
-            <a:spLocks noGrp="1"/>
-          </p:cNvSpPr>
-          <p:nvPr>
-            <p:ph type="sldNum" sz="quarter" idx="12"/>
-          </p:nvPr>
-        </p:nvSpPr>
-        <p:spPr/>
-        <p:txBody>
-          <a:bodyPr/>
-          <a:lstStyle/>
-          <a:p>
-            <a:fld id="{5C6BB475-B640-4DD3-A1AA-1CF10A44AA06}" type="slidenum">
-              <a:rPr lang="en-US" smtClean="0"/>
-              <a:t>2</a:t>
-            </a:fld>
-            <a:endParaRPr lang="en-US"/>
-          </a:p>
-        </p:txBody>
-      </p:sp>
-      <p:sp>
-        <p:nvSpPr>
-          <p:cNvPr id="8" name="TextBox 7"/>
-          <p:cNvSpPr txBox="1"/>
-          <p:nvPr/>
-        </p:nvSpPr>
-        <p:spPr>
-          <a:xfrm>
-            <a:off x="5465500" y="6365230"/>
-            <a:ext cx="2171685" cy="369332"/>
-          </a:xfrm>
-          <a:prstGeom prst="rect">
-            <a:avLst/>
-          </a:prstGeom>
-          <a:noFill/>
-        </p:spPr>
-        <p:txBody>
-          <a:bodyPr wrap="none" rtlCol="0">
-            <a:spAutoFit/>
-          </a:bodyPr>
-          <a:lstStyle/>
-          <a:p>
-            <a:r>
-              <a:rPr lang="en-US" dirty="0" smtClean="0"/>
-              <a:t>Figure 2. Market Gap</a:t>
-            </a:r>
-            <a:endParaRPr lang="en-US" dirty="0"/>
-          </a:p>
-        </p:txBody>
-      </p:sp>
-      <p:pic>
-        <p:nvPicPr>
-          <p:cNvPr id="2" name="Picture 1"/>
-          <p:cNvPicPr>
-            <a:picLocks noChangeAspect="1"/>
-          </p:cNvPicPr>
-          <p:nvPr/>
-        </p:nvPicPr>
-        <p:blipFill>
-          <a:blip r:embed="rId2"/>
-          <a:stretch>
-            <a:fillRect/>
-          </a:stretch>
-        </p:blipFill>
-        <p:spPr>
-          <a:xfrm>
-            <a:off x="3189963" y="1478099"/>
-            <a:ext cx="6722761" cy="4887131"/>
-          </a:xfrm>
-          <a:prstGeom prst="rect">
-            <a:avLst/>
-          </a:prstGeom>
-        </p:spPr>
-      </p:pic>
-    </p:spTree>
-    <p:extLst>
-      <p:ext uri="{BB962C8B-B14F-4D97-AF65-F5344CB8AC3E}">
-        <p14:creationId xmlns:p14="http://schemas.microsoft.com/office/powerpoint/2010/main" val="147561124"/>
-      </p:ext>
-    </p:extLst>
-  </p:cSld>
-  <p:clrMapOvr>
-    <a:masterClrMapping/>
-  </p:clrMapOvr>
-  <p:timing>
-    <p:tnLst>
-      <p:par>
-        <p:cTn id="1" dur="indefinite" restart="never" nodeType="tmRoot"/>
-      </p:par>
-    </p:tnLst>
-  </p:timing>
-</p:sld>
-</file>
-
-<file path=ppt/slides/slide3.xml><?xml version="1.0" encoding="utf-8"?>
-<p:sld xmlns:a="http://schemas.openxmlformats.org/drawingml/2006/main" xmlns:r="http://schemas.openxmlformats.org/officeDocument/2006/relationships" xmlns:p="http://schemas.openxmlformats.org/presentationml/2006/main">
-  <p:cSld>
-    <p:spTree>
-      <p:nvGrpSpPr>
-        <p:cNvPr id="1" name=""/>
-        <p:cNvGrpSpPr/>
-        <p:nvPr/>
-      </p:nvGrpSpPr>
-      <p:grpSpPr>
-        <a:xfrm>
-          <a:off x="0" y="0"/>
-          <a:ext cx="0" cy="0"/>
-          <a:chOff x="0" y="0"/>
-          <a:chExt cx="0" cy="0"/>
-        </a:xfrm>
-      </p:grpSpPr>
-      <p:sp>
-        <p:nvSpPr>
-          <p:cNvPr id="2" name="Title 1"/>
-          <p:cNvSpPr>
-            <a:spLocks noGrp="1"/>
-          </p:cNvSpPr>
-          <p:nvPr>
-            <p:ph type="title"/>
-          </p:nvPr>
-        </p:nvSpPr>
-        <p:spPr/>
-        <p:txBody>
-          <a:bodyPr/>
-          <a:lstStyle/>
-          <a:p>
-            <a:r>
-              <a:rPr lang="en-US" dirty="0"/>
-              <a:t>Criteria</a:t>
-            </a:r>
-          </a:p>
-        </p:txBody>
-      </p:sp>
-      <p:sp>
-        <p:nvSpPr>
-          <p:cNvPr id="3" name="Content Placeholder 2"/>
-          <p:cNvSpPr>
-            <a:spLocks noGrp="1"/>
-          </p:cNvSpPr>
-          <p:nvPr>
-            <p:ph idx="1"/>
-          </p:nvPr>
-        </p:nvSpPr>
-        <p:spPr/>
-        <p:txBody>
-          <a:bodyPr/>
-          <a:lstStyle/>
-          <a:p>
-            <a:r>
-              <a:rPr lang="en-US" dirty="0"/>
-              <a:t>Accessible to the hobbyist</a:t>
-            </a:r>
-          </a:p>
-          <a:p>
-            <a:r>
-              <a:rPr lang="en-US" dirty="0"/>
-              <a:t>Open Source and Free </a:t>
-            </a:r>
-            <a:r>
-              <a:rPr lang="en-US" dirty="0" smtClean="0"/>
-              <a:t>(as </a:t>
-            </a:r>
-            <a:r>
-              <a:rPr lang="en-US" dirty="0"/>
-              <a:t>in </a:t>
-            </a:r>
-            <a:r>
-              <a:rPr lang="en-US" dirty="0" smtClean="0"/>
-              <a:t>speech)</a:t>
-            </a:r>
-            <a:endParaRPr lang="en-US" dirty="0"/>
-          </a:p>
-          <a:p>
-            <a:r>
-              <a:rPr lang="en-US" dirty="0"/>
-              <a:t>Precise and </a:t>
-            </a:r>
-            <a:r>
-              <a:rPr lang="en-US" dirty="0" smtClean="0"/>
-              <a:t>repeatable</a:t>
-            </a:r>
-          </a:p>
-          <a:p>
-            <a:r>
-              <a:rPr lang="en-US" dirty="0" smtClean="0"/>
-              <a:t>Flexible for the end user</a:t>
-            </a:r>
-            <a:endParaRPr lang="en-US" dirty="0"/>
-          </a:p>
-        </p:txBody>
-      </p:sp>
-      <p:sp>
-        <p:nvSpPr>
-          <p:cNvPr id="4" name="Slide Number Placeholder 3"/>
-          <p:cNvSpPr>
-            <a:spLocks noGrp="1"/>
-          </p:cNvSpPr>
-          <p:nvPr>
-            <p:ph type="sldNum" sz="quarter" idx="12"/>
-          </p:nvPr>
-        </p:nvSpPr>
-        <p:spPr/>
-        <p:txBody>
-          <a:bodyPr/>
-          <a:lstStyle/>
-          <a:p>
-            <a:fld id="{5C6BB475-B640-4DD3-A1AA-1CF10A44AA06}" type="slidenum">
-              <a:rPr lang="en-US" smtClean="0"/>
-              <a:t>3</a:t>
-            </a:fld>
-            <a:endParaRPr lang="en-US"/>
-          </a:p>
-        </p:txBody>
-      </p:sp>
-    </p:spTree>
-    <p:extLst>
-      <p:ext uri="{BB962C8B-B14F-4D97-AF65-F5344CB8AC3E}">
-        <p14:creationId xmlns:p14="http://schemas.microsoft.com/office/powerpoint/2010/main" val="539541693"/>
       </p:ext>
     </p:extLst>
   </p:cSld>
@@ -7743,15 +7464,15 @@
 <file path=customXml/itemProps3.xml><?xml version="1.0" encoding="utf-8"?>
 <ds:datastoreItem xmlns:ds="http://schemas.openxmlformats.org/officeDocument/2006/customXml" ds:itemID="{7D5E529B-E2B8-4FF4-96DC-717B6A9731D6}">
   <ds:schemaRefs>
-    <ds:schemaRef ds:uri="http://purl.org/dc/terms/"/>
-    <ds:schemaRef ds:uri="http://schemas.microsoft.com/office/2006/documentManagement/types"/>
+    <ds:schemaRef ds:uri="http://purl.org/dc/dcmitype/"/>
     <ds:schemaRef ds:uri="http://schemas.microsoft.com/office/2006/metadata/properties"/>
-    <ds:schemaRef ds:uri="http://schemas.openxmlformats.org/package/2006/metadata/core-properties"/>
     <ds:schemaRef ds:uri="4c2e6f55-8abc-4b5b-a4f7-930d3885115f"/>
     <ds:schemaRef ds:uri="http://schemas.microsoft.com/office/infopath/2007/PartnerControls"/>
     <ds:schemaRef ds:uri="http://purl.org/dc/elements/1.1/"/>
-    <ds:schemaRef ds:uri="http://purl.org/dc/dcmitype/"/>
+    <ds:schemaRef ds:uri="http://purl.org/dc/terms/"/>
+    <ds:schemaRef ds:uri="http://schemas.microsoft.com/office/2006/documentManagement/types"/>
     <ds:schemaRef ds:uri="http://www.w3.org/XML/1998/namespace"/>
+    <ds:schemaRef ds:uri="http://schemas.openxmlformats.org/package/2006/metadata/core-properties"/>
   </ds:schemaRefs>
 </ds:datastoreItem>
 </file>